--- a/docs/slides/Memory Management and Operating Systems.pptx
+++ b/docs/slides/Memory Management and Operating Systems.pptx
@@ -953,7 +953,7 @@
   <pc:docChgLst>
     <pc:chgData name="Sana Belguith" userId="edaa0afb-4621-4165-af1d-05ed505f7999" providerId="ADAL" clId="{FD4AB36E-96AD-4C29-93ED-7E699224AFB7}"/>
     <pc:docChg chg="undo redo custSel addSld delSld modSld">
-      <pc:chgData name="Sana Belguith" userId="edaa0afb-4621-4165-af1d-05ed505f7999" providerId="ADAL" clId="{FD4AB36E-96AD-4C29-93ED-7E699224AFB7}" dt="2023-03-23T09:29:30.236" v="712" actId="478"/>
+      <pc:chgData name="Sana Belguith" userId="edaa0afb-4621-4165-af1d-05ed505f7999" providerId="ADAL" clId="{FD4AB36E-96AD-4C29-93ED-7E699224AFB7}" dt="2023-03-23T12:16:59.750" v="713" actId="478"/>
       <pc:docMkLst>
         <pc:docMk/>
       </pc:docMkLst>
@@ -1746,8 +1746,8 @@
           <pc:sldMk cId="0" sldId="385"/>
         </pc:sldMkLst>
       </pc:sldChg>
-      <pc:sldChg chg="modSp add del mod">
-        <pc:chgData name="Sana Belguith" userId="edaa0afb-4621-4165-af1d-05ed505f7999" providerId="ADAL" clId="{FD4AB36E-96AD-4C29-93ED-7E699224AFB7}" dt="2023-03-23T08:56:01.162" v="482" actId="1076"/>
+      <pc:sldChg chg="delSp modSp add del mod">
+        <pc:chgData name="Sana Belguith" userId="edaa0afb-4621-4165-af1d-05ed505f7999" providerId="ADAL" clId="{FD4AB36E-96AD-4C29-93ED-7E699224AFB7}" dt="2023-03-23T12:16:59.750" v="713" actId="478"/>
         <pc:sldMkLst>
           <pc:docMk/>
           <pc:sldMk cId="0" sldId="386"/>
@@ -1760,6 +1760,22 @@
             <ac:spMk id="2" creationId="{D5BD0071-5932-4AC1-B8F5-FC54504BE0F8}"/>
           </ac:spMkLst>
         </pc:spChg>
+        <pc:spChg chg="del">
+          <ac:chgData name="Sana Belguith" userId="edaa0afb-4621-4165-af1d-05ed505f7999" providerId="ADAL" clId="{FD4AB36E-96AD-4C29-93ED-7E699224AFB7}" dt="2023-03-23T12:16:59.750" v="713" actId="478"/>
+          <ac:spMkLst>
+            <pc:docMk/>
+            <pc:sldMk cId="0" sldId="386"/>
+            <ac:spMk id="28" creationId="{24195D84-D1E4-44A2-8B84-D5267C298344}"/>
+          </ac:spMkLst>
+        </pc:spChg>
+        <pc:cxnChg chg="del mod">
+          <ac:chgData name="Sana Belguith" userId="edaa0afb-4621-4165-af1d-05ed505f7999" providerId="ADAL" clId="{FD4AB36E-96AD-4C29-93ED-7E699224AFB7}" dt="2023-03-23T12:16:59.750" v="713" actId="478"/>
+          <ac:cxnSpMkLst>
+            <pc:docMk/>
+            <pc:sldMk cId="0" sldId="386"/>
+            <ac:cxnSpMk id="29" creationId="{0D0E7D48-468C-440A-AFF6-B786F68BCB9A}"/>
+          </ac:cxnSpMkLst>
+        </pc:cxnChg>
       </pc:sldChg>
       <pc:sldChg chg="modSp add del mod">
         <pc:chgData name="Sana Belguith" userId="edaa0afb-4621-4165-af1d-05ed505f7999" providerId="ADAL" clId="{FD4AB36E-96AD-4C29-93ED-7E699224AFB7}" dt="2023-03-22T17:38:08.146" v="246" actId="47"/>
@@ -18338,260 +18354,6 @@
             <a:avLst>
               <a:gd name="adj1" fmla="val 44654"/>
               <a:gd name="adj2" fmla="val 109110"/>
-            </a:avLst>
-          </a:prstGeom>
-          <a:noFill/>
-          <a:ln w="19046" cap="flat">
-            <a:solidFill>
-              <a:srgbClr val="000000"/>
-            </a:solidFill>
-            <a:prstDash val="solid"/>
-            <a:miter/>
-            <a:tailEnd type="arrow"/>
-          </a:ln>
-        </p:spPr>
-      </p:cxnSp>
-      <p:sp>
-        <p:nvSpPr>
-          <p:cNvPr id="28" name="Rectangle: Rounded Corners 29">
-            <a:extLst>
-              <a:ext uri="{FF2B5EF4-FFF2-40B4-BE49-F238E27FC236}">
-                <a16:creationId xmlns:a16="http://schemas.microsoft.com/office/drawing/2014/main" id="{24195D84-D1E4-44A2-8B84-D5267C298344}"/>
-              </a:ext>
-            </a:extLst>
-          </p:cNvPr>
-          <p:cNvSpPr/>
-          <p:nvPr/>
-        </p:nvSpPr>
-        <p:spPr>
-          <a:xfrm>
-            <a:off x="290952" y="5705308"/>
-            <a:ext cx="1279233" cy="359309"/>
-          </a:xfrm>
-          <a:custGeom>
-            <a:avLst>
-              <a:gd name="f10" fmla="val 3600"/>
-            </a:avLst>
-            <a:gdLst>
-              <a:gd name="f1" fmla="val 10800000"/>
-              <a:gd name="f2" fmla="val 5400000"/>
-              <a:gd name="f3" fmla="val 16200000"/>
-              <a:gd name="f4" fmla="val w"/>
-              <a:gd name="f5" fmla="val h"/>
-              <a:gd name="f6" fmla="val ss"/>
-              <a:gd name="f7" fmla="val 0"/>
-              <a:gd name="f8" fmla="*/ 5419351 1 1725033"/>
-              <a:gd name="f9" fmla="val 45"/>
-              <a:gd name="f10" fmla="val 3600"/>
-              <a:gd name="f11" fmla="abs f4"/>
-              <a:gd name="f12" fmla="abs f5"/>
-              <a:gd name="f13" fmla="abs f6"/>
-              <a:gd name="f14" fmla="*/ f8 1 180"/>
-              <a:gd name="f15" fmla="val f10"/>
-              <a:gd name="f16" fmla="+- 0 0 f2"/>
-              <a:gd name="f17" fmla="?: f11 f4 1"/>
-              <a:gd name="f18" fmla="?: f12 f5 1"/>
-              <a:gd name="f19" fmla="?: f13 f6 1"/>
-              <a:gd name="f20" fmla="*/ f9 f14 1"/>
-              <a:gd name="f21" fmla="+- f7 f15 0"/>
-              <a:gd name="f22" fmla="*/ f17 1 21600"/>
-              <a:gd name="f23" fmla="*/ f18 1 21600"/>
-              <a:gd name="f24" fmla="*/ 21600 f17 1"/>
-              <a:gd name="f25" fmla="*/ 21600 f18 1"/>
-              <a:gd name="f26" fmla="+- 0 0 f20"/>
-              <a:gd name="f27" fmla="+- f7 0 f21"/>
-              <a:gd name="f28" fmla="+- f21 0 f7"/>
-              <a:gd name="f29" fmla="min f23 f22"/>
-              <a:gd name="f30" fmla="*/ f24 1 f19"/>
-              <a:gd name="f31" fmla="*/ f25 1 f19"/>
-              <a:gd name="f32" fmla="*/ f26 f1 1"/>
-              <a:gd name="f33" fmla="abs f27"/>
-              <a:gd name="f34" fmla="abs f28"/>
-              <a:gd name="f35" fmla="?: f27 f16 f2"/>
-              <a:gd name="f36" fmla="?: f27 f2 f16"/>
-              <a:gd name="f37" fmla="?: f27 f3 f2"/>
-              <a:gd name="f38" fmla="?: f27 f2 f3"/>
-              <a:gd name="f39" fmla="?: f28 f16 f2"/>
-              <a:gd name="f40" fmla="?: f28 f2 f16"/>
-              <a:gd name="f41" fmla="?: f27 0 f1"/>
-              <a:gd name="f42" fmla="?: f27 f1 0"/>
-              <a:gd name="f43" fmla="val f30"/>
-              <a:gd name="f44" fmla="val f31"/>
-              <a:gd name="f45" fmla="*/ f32 1 f8"/>
-              <a:gd name="f46" fmla="?: f27 f38 f37"/>
-              <a:gd name="f47" fmla="?: f27 f37 f38"/>
-              <a:gd name="f48" fmla="?: f28 f36 f35"/>
-              <a:gd name="f49" fmla="*/ f21 f29 1"/>
-              <a:gd name="f50" fmla="*/ f7 f29 1"/>
-              <a:gd name="f51" fmla="*/ f33 f29 1"/>
-              <a:gd name="f52" fmla="*/ f34 f29 1"/>
-              <a:gd name="f53" fmla="+- f44 0 f15"/>
-              <a:gd name="f54" fmla="+- f43 0 f15"/>
-              <a:gd name="f55" fmla="+- f45 0 f2"/>
-              <a:gd name="f56" fmla="?: f28 f47 f46"/>
-              <a:gd name="f57" fmla="*/ f44 f29 1"/>
-              <a:gd name="f58" fmla="*/ f43 f29 1"/>
-              <a:gd name="f59" fmla="+- f55 f2 0"/>
-              <a:gd name="f60" fmla="+- f44 0 f53"/>
-              <a:gd name="f61" fmla="+- f43 0 f54"/>
-              <a:gd name="f62" fmla="+- f53 0 f44"/>
-              <a:gd name="f63" fmla="+- f54 0 f43"/>
-              <a:gd name="f64" fmla="*/ f53 f29 1"/>
-              <a:gd name="f65" fmla="*/ f54 f29 1"/>
-              <a:gd name="f66" fmla="*/ f59 f8 1"/>
-              <a:gd name="f67" fmla="abs f60"/>
-              <a:gd name="f68" fmla="?: f60 0 f1"/>
-              <a:gd name="f69" fmla="?: f60 f1 0"/>
-              <a:gd name="f70" fmla="?: f60 f39 f40"/>
-              <a:gd name="f71" fmla="abs f61"/>
-              <a:gd name="f72" fmla="abs f62"/>
-              <a:gd name="f73" fmla="?: f61 f16 f2"/>
-              <a:gd name="f74" fmla="?: f61 f2 f16"/>
-              <a:gd name="f75" fmla="?: f61 f3 f2"/>
-              <a:gd name="f76" fmla="?: f61 f2 f3"/>
-              <a:gd name="f77" fmla="abs f63"/>
-              <a:gd name="f78" fmla="?: f63 f16 f2"/>
-              <a:gd name="f79" fmla="?: f63 f2 f16"/>
-              <a:gd name="f80" fmla="?: f63 f42 f41"/>
-              <a:gd name="f81" fmla="?: f63 f41 f42"/>
-              <a:gd name="f82" fmla="*/ f66 1 f1"/>
-              <a:gd name="f83" fmla="?: f28 f69 f68"/>
-              <a:gd name="f84" fmla="?: f28 f68 f69"/>
-              <a:gd name="f85" fmla="?: f61 f76 f75"/>
-              <a:gd name="f86" fmla="?: f61 f75 f76"/>
-              <a:gd name="f87" fmla="?: f62 f74 f73"/>
-              <a:gd name="f88" fmla="?: f27 f80 f81"/>
-              <a:gd name="f89" fmla="?: f27 f78 f79"/>
-              <a:gd name="f90" fmla="*/ f67 f29 1"/>
-              <a:gd name="f91" fmla="*/ f71 f29 1"/>
-              <a:gd name="f92" fmla="*/ f72 f29 1"/>
-              <a:gd name="f93" fmla="*/ f77 f29 1"/>
-              <a:gd name="f94" fmla="+- 0 0 f82"/>
-              <a:gd name="f95" fmla="?: f60 f83 f84"/>
-              <a:gd name="f96" fmla="?: f62 f86 f85"/>
-              <a:gd name="f97" fmla="+- 0 0 f94"/>
-              <a:gd name="f98" fmla="*/ f97 f1 1"/>
-              <a:gd name="f99" fmla="*/ f98 1 f8"/>
-              <a:gd name="f100" fmla="+- f99 0 f2"/>
-              <a:gd name="f101" fmla="cos 1 f100"/>
-              <a:gd name="f102" fmla="+- 0 0 f101"/>
-              <a:gd name="f103" fmla="+- 0 0 f102"/>
-              <a:gd name="f104" fmla="val f103"/>
-              <a:gd name="f105" fmla="+- 0 0 f104"/>
-              <a:gd name="f106" fmla="*/ f15 f105 1"/>
-              <a:gd name="f107" fmla="*/ f106 3163 1"/>
-              <a:gd name="f108" fmla="*/ f107 1 7636"/>
-              <a:gd name="f109" fmla="+- f7 f108 0"/>
-              <a:gd name="f110" fmla="+- f43 0 f108"/>
-              <a:gd name="f111" fmla="+- f44 0 f108"/>
-              <a:gd name="f112" fmla="*/ f109 f29 1"/>
-              <a:gd name="f113" fmla="*/ f110 f29 1"/>
-              <a:gd name="f114" fmla="*/ f111 f29 1"/>
-            </a:gdLst>
-            <a:ahLst/>
-            <a:cxnLst>
-              <a:cxn ang="3cd4">
-                <a:pos x="hc" y="t"/>
-              </a:cxn>
-              <a:cxn ang="0">
-                <a:pos x="r" y="vc"/>
-              </a:cxn>
-              <a:cxn ang="cd4">
-                <a:pos x="hc" y="b"/>
-              </a:cxn>
-              <a:cxn ang="cd2">
-                <a:pos x="l" y="vc"/>
-              </a:cxn>
-            </a:cxnLst>
-            <a:rect l="f112" t="f112" r="f113" b="f114"/>
-            <a:pathLst>
-              <a:path>
-                <a:moveTo>
-                  <a:pt x="f49" y="f50"/>
-                </a:moveTo>
-                <a:arcTo wR="f51" hR="f52" stAng="f56" swAng="f48"/>
-                <a:lnTo>
-                  <a:pt x="f50" y="f64"/>
-                </a:lnTo>
-                <a:arcTo wR="f52" hR="f90" stAng="f95" swAng="f70"/>
-                <a:lnTo>
-                  <a:pt x="f65" y="f57"/>
-                </a:lnTo>
-                <a:arcTo wR="f91" hR="f92" stAng="f96" swAng="f87"/>
-                <a:lnTo>
-                  <a:pt x="f58" y="f49"/>
-                </a:lnTo>
-                <a:arcTo wR="f93" hR="f51" stAng="f88" swAng="f89"/>
-                <a:close/>
-              </a:path>
-            </a:pathLst>
-          </a:custGeom>
-          <a:solidFill>
-            <a:srgbClr val="FFC000"/>
-          </a:solidFill>
-          <a:ln w="12701" cap="flat">
-            <a:solidFill>
-              <a:srgbClr val="BC8C00"/>
-            </a:solidFill>
-            <a:prstDash val="solid"/>
-            <a:miter/>
-          </a:ln>
-        </p:spPr>
-        <p:txBody>
-          <a:bodyPr vert="horz" wrap="square" lIns="121920" tIns="60960" rIns="121920" bIns="60960" anchor="ctr" anchorCtr="1" compatLnSpc="1">
-            <a:noAutofit/>
-          </a:bodyPr>
-          <a:lstStyle/>
-          <a:p>
-            <a:pPr algn="ctr" defTabSz="1219140">
-              <a:defRPr sz="1800" b="0" i="0" u="none" strike="noStrike" kern="0" cap="none" spc="0" baseline="0">
-                <a:solidFill>
-                  <a:srgbClr val="000000"/>
-                </a:solidFill>
-                <a:uFillTx/>
-              </a:defRPr>
-            </a:pPr>
-            <a:r>
-              <a:rPr lang="en-US" sz="2400">
-                <a:solidFill>
-                  <a:srgbClr val="FFFFFF"/>
-                </a:solidFill>
-                <a:latin typeface="Calibri"/>
-              </a:rPr>
-              <a:t>%cr3</a:t>
-            </a:r>
-            <a:endParaRPr lang="en-GB" sz="2400">
-              <a:solidFill>
-                <a:srgbClr val="FFFFFF"/>
-              </a:solidFill>
-              <a:latin typeface="Calibri"/>
-            </a:endParaRPr>
-          </a:p>
-        </p:txBody>
-      </p:sp>
-      <p:cxnSp>
-        <p:nvCxnSpPr>
-          <p:cNvPr id="29" name="Connector: Elbow 31">
-            <a:extLst>
-              <a:ext uri="{FF2B5EF4-FFF2-40B4-BE49-F238E27FC236}">
-                <a16:creationId xmlns:a16="http://schemas.microsoft.com/office/drawing/2014/main" id="{0D0E7D48-468C-440A-AFF6-B786F68BCB9A}"/>
-              </a:ext>
-            </a:extLst>
-          </p:cNvPr>
-          <p:cNvCxnSpPr>
-            <a:stCxn id="28" idx="3"/>
-            <a:endCxn id="16" idx="1"/>
-          </p:cNvCxnSpPr>
-          <p:nvPr/>
-        </p:nvCxnSpPr>
-        <p:spPr>
-          <a:xfrm rot="10800000">
-            <a:off x="267859" y="4766207"/>
-            <a:ext cx="23092" cy="1118756"/>
-          </a:xfrm>
-          <a:prstGeom prst="bentConnector3">
-            <a:avLst>
-              <a:gd name="adj1" fmla="val 1419938"/>
             </a:avLst>
           </a:prstGeom>
           <a:noFill/>
